--- a/доделать/Презентация.pptx
+++ b/доделать/Презентация.pptx
@@ -4,6 +4,9 @@
   <p:sldMasterIdLst>
     <p:sldMasterId id="2147483648" r:id="rId1"/>
   </p:sldMasterIdLst>
+  <p:sldIdLst>
+    <p:sldId id="256" r:id="rId2"/>
+  </p:sldIdLst>
   <p:sldSz cx="9144000" cy="6858000" type="screen4x3"/>
   <p:notesSz cx="6858000" cy="9144000"/>
   <p:defaultTextStyle>
@@ -101,6 +104,22 @@
       </a:defRPr>
     </a:lvl9pPr>
   </p:defaultTextStyle>
+  <p:extLst>
+    <p:ext uri="{EFAFB233-063F-42B5-8137-9DF3F51BA10A}">
+      <p15:sldGuideLst xmlns:p15="http://schemas.microsoft.com/office/powerpoint/2012/main">
+        <p15:guide id="1" orient="horz" pos="2160">
+          <p15:clr>
+            <a:srgbClr val="A4A3A4"/>
+          </p15:clr>
+        </p15:guide>
+        <p15:guide id="2" pos="2880">
+          <p15:clr>
+            <a:srgbClr val="A4A3A4"/>
+          </p15:clr>
+        </p15:guide>
+      </p15:sldGuideLst>
+    </p:ext>
+  </p:extLst>
 </p:presentation>
 </file>
 
@@ -285,7 +304,7 @@
           <a:p>
             <a:fld id="{B4C71EC6-210F-42DE-9C53-41977AD35B3D}" type="datetimeFigureOut">
               <a:rPr lang="ru-RU" smtClean="0"/>
-              <a:t>12.11.2009</a:t>
+              <a:t>02.06.2019</a:t>
             </a:fld>
             <a:endParaRPr lang="ru-RU"/>
           </a:p>
@@ -450,7 +469,7 @@
           <a:p>
             <a:fld id="{B4C71EC6-210F-42DE-9C53-41977AD35B3D}" type="datetimeFigureOut">
               <a:rPr lang="ru-RU" smtClean="0"/>
-              <a:t>12.11.2009</a:t>
+              <a:t>02.06.2019</a:t>
             </a:fld>
             <a:endParaRPr lang="ru-RU"/>
           </a:p>
@@ -625,7 +644,7 @@
           <a:p>
             <a:fld id="{B4C71EC6-210F-42DE-9C53-41977AD35B3D}" type="datetimeFigureOut">
               <a:rPr lang="ru-RU" smtClean="0"/>
-              <a:t>12.11.2009</a:t>
+              <a:t>02.06.2019</a:t>
             </a:fld>
             <a:endParaRPr lang="ru-RU"/>
           </a:p>
@@ -790,7 +809,7 @@
           <a:p>
             <a:fld id="{B4C71EC6-210F-42DE-9C53-41977AD35B3D}" type="datetimeFigureOut">
               <a:rPr lang="ru-RU" smtClean="0"/>
-              <a:t>12.11.2009</a:t>
+              <a:t>02.06.2019</a:t>
             </a:fld>
             <a:endParaRPr lang="ru-RU"/>
           </a:p>
@@ -1031,7 +1050,7 @@
           <a:p>
             <a:fld id="{B4C71EC6-210F-42DE-9C53-41977AD35B3D}" type="datetimeFigureOut">
               <a:rPr lang="ru-RU" smtClean="0"/>
-              <a:t>12.11.2009</a:t>
+              <a:t>02.06.2019</a:t>
             </a:fld>
             <a:endParaRPr lang="ru-RU"/>
           </a:p>
@@ -1314,7 +1333,7 @@
           <a:p>
             <a:fld id="{B4C71EC6-210F-42DE-9C53-41977AD35B3D}" type="datetimeFigureOut">
               <a:rPr lang="ru-RU" smtClean="0"/>
-              <a:t>12.11.2009</a:t>
+              <a:t>02.06.2019</a:t>
             </a:fld>
             <a:endParaRPr lang="ru-RU"/>
           </a:p>
@@ -1731,7 +1750,7 @@
           <a:p>
             <a:fld id="{B4C71EC6-210F-42DE-9C53-41977AD35B3D}" type="datetimeFigureOut">
               <a:rPr lang="ru-RU" smtClean="0"/>
-              <a:t>12.11.2009</a:t>
+              <a:t>02.06.2019</a:t>
             </a:fld>
             <a:endParaRPr lang="ru-RU"/>
           </a:p>
@@ -1844,7 +1863,7 @@
           <a:p>
             <a:fld id="{B4C71EC6-210F-42DE-9C53-41977AD35B3D}" type="datetimeFigureOut">
               <a:rPr lang="ru-RU" smtClean="0"/>
-              <a:t>12.11.2009</a:t>
+              <a:t>02.06.2019</a:t>
             </a:fld>
             <a:endParaRPr lang="ru-RU"/>
           </a:p>
@@ -1934,7 +1953,7 @@
           <a:p>
             <a:fld id="{B4C71EC6-210F-42DE-9C53-41977AD35B3D}" type="datetimeFigureOut">
               <a:rPr lang="ru-RU" smtClean="0"/>
-              <a:t>12.11.2009</a:t>
+              <a:t>02.06.2019</a:t>
             </a:fld>
             <a:endParaRPr lang="ru-RU"/>
           </a:p>
@@ -2206,7 +2225,7 @@
           <a:p>
             <a:fld id="{B4C71EC6-210F-42DE-9C53-41977AD35B3D}" type="datetimeFigureOut">
               <a:rPr lang="ru-RU" smtClean="0"/>
-              <a:t>12.11.2009</a:t>
+              <a:t>02.06.2019</a:t>
             </a:fld>
             <a:endParaRPr lang="ru-RU"/>
           </a:p>
@@ -2454,7 +2473,7 @@
           <a:p>
             <a:fld id="{B4C71EC6-210F-42DE-9C53-41977AD35B3D}" type="datetimeFigureOut">
               <a:rPr lang="ru-RU" smtClean="0"/>
-              <a:t>12.11.2009</a:t>
+              <a:t>02.06.2019</a:t>
             </a:fld>
             <a:endParaRPr lang="ru-RU"/>
           </a:p>
@@ -2662,7 +2681,7 @@
           <a:p>
             <a:fld id="{B4C71EC6-210F-42DE-9C53-41977AD35B3D}" type="datetimeFigureOut">
               <a:rPr lang="ru-RU" smtClean="0"/>
-              <a:t>12.11.2009</a:t>
+              <a:t>02.06.2019</a:t>
             </a:fld>
             <a:endParaRPr lang="ru-RU"/>
           </a:p>
@@ -3013,6 +3032,80 @@
     </p:otherStyle>
   </p:txStyles>
 </p:sldMaster>
+</file>
+
+<file path=ppt/slides/slide1.xml><?xml version="1.0" encoding="utf-8"?>
+<p:sld xmlns:a="http://schemas.openxmlformats.org/drawingml/2006/main" xmlns:r="http://schemas.openxmlformats.org/officeDocument/2006/relationships" xmlns:p="http://schemas.openxmlformats.org/presentationml/2006/main">
+  <p:cSld>
+    <p:spTree>
+      <p:nvGrpSpPr>
+        <p:cNvPr id="1" name=""/>
+        <p:cNvGrpSpPr/>
+        <p:nvPr/>
+      </p:nvGrpSpPr>
+      <p:grpSpPr>
+        <a:xfrm>
+          <a:off x="0" y="0"/>
+          <a:ext cx="0" cy="0"/>
+          <a:chOff x="0" y="0"/>
+          <a:chExt cx="0" cy="0"/>
+        </a:xfrm>
+      </p:grpSpPr>
+      <p:sp>
+        <p:nvSpPr>
+          <p:cNvPr id="2" name="Заголовок 1"/>
+          <p:cNvSpPr>
+            <a:spLocks noGrp="1"/>
+          </p:cNvSpPr>
+          <p:nvPr>
+            <p:ph type="ctrTitle"/>
+          </p:nvPr>
+        </p:nvSpPr>
+        <p:spPr/>
+        <p:txBody>
+          <a:bodyPr>
+            <a:normAutofit fontScale="90000"/>
+          </a:bodyPr>
+          <a:lstStyle/>
+          <a:p>
+            <a:r>
+              <a:rPr lang="ru-RU" dirty="0" smtClean="0"/>
+              <a:t>Программное средство распознавания, анализа и учета компонентов дорожной инфраструктуры</a:t>
+            </a:r>
+            <a:endParaRPr lang="ru-RU" dirty="0"/>
+          </a:p>
+        </p:txBody>
+      </p:sp>
+      <p:sp>
+        <p:nvSpPr>
+          <p:cNvPr id="3" name="Подзаголовок 2"/>
+          <p:cNvSpPr>
+            <a:spLocks noGrp="1"/>
+          </p:cNvSpPr>
+          <p:nvPr>
+            <p:ph type="subTitle" idx="1"/>
+          </p:nvPr>
+        </p:nvSpPr>
+        <p:spPr/>
+        <p:txBody>
+          <a:bodyPr/>
+          <a:lstStyle/>
+          <a:p>
+            <a:endParaRPr lang="ru-RU" dirty="0"/>
+          </a:p>
+        </p:txBody>
+      </p:sp>
+    </p:spTree>
+    <p:extLst>
+      <p:ext uri="{BB962C8B-B14F-4D97-AF65-F5344CB8AC3E}">
+        <p14:creationId xmlns:p14="http://schemas.microsoft.com/office/powerpoint/2010/main" val="411744239"/>
+      </p:ext>
+    </p:extLst>
+  </p:cSld>
+  <p:clrMapOvr>
+    <a:masterClrMapping/>
+  </p:clrMapOvr>
+</p:sld>
 </file>
 
 <file path=ppt/theme/theme1.xml><?xml version="1.0" encoding="utf-8"?>

--- a/доделать/Презентация.pptx
+++ b/доделать/Презентация.pptx
@@ -6,6 +6,11 @@
   </p:sldMasterIdLst>
   <p:sldIdLst>
     <p:sldId id="256" r:id="rId2"/>
+    <p:sldId id="257" r:id="rId3"/>
+    <p:sldId id="258" r:id="rId4"/>
+    <p:sldId id="259" r:id="rId5"/>
+    <p:sldId id="260" r:id="rId6"/>
+    <p:sldId id="261" r:id="rId7"/>
   </p:sldIdLst>
   <p:sldSz cx="9144000" cy="6858000" type="screen4x3"/>
   <p:notesSz cx="6858000" cy="9144000"/>
@@ -106,7 +111,7 @@
   </p:defaultTextStyle>
   <p:extLst>
     <p:ext uri="{EFAFB233-063F-42B5-8137-9DF3F51BA10A}">
-      <p15:sldGuideLst xmlns:p15="http://schemas.microsoft.com/office/powerpoint/2012/main">
+      <p15:sldGuideLst xmlns:p15="http://schemas.microsoft.com/office/powerpoint/2012/main" xmlns="">
         <p15:guide id="1" orient="horz" pos="2160">
           <p15:clr>
             <a:srgbClr val="A4A3A4"/>
@@ -304,7 +309,7 @@
           <a:p>
             <a:fld id="{B4C71EC6-210F-42DE-9C53-41977AD35B3D}" type="datetimeFigureOut">
               <a:rPr lang="ru-RU" smtClean="0"/>
-              <a:t>02.06.2019</a:t>
+              <a:t>03.06.2019</a:t>
             </a:fld>
             <a:endParaRPr lang="ru-RU"/>
           </a:p>
@@ -469,7 +474,7 @@
           <a:p>
             <a:fld id="{B4C71EC6-210F-42DE-9C53-41977AD35B3D}" type="datetimeFigureOut">
               <a:rPr lang="ru-RU" smtClean="0"/>
-              <a:t>02.06.2019</a:t>
+              <a:t>03.06.2019</a:t>
             </a:fld>
             <a:endParaRPr lang="ru-RU"/>
           </a:p>
@@ -644,7 +649,7 @@
           <a:p>
             <a:fld id="{B4C71EC6-210F-42DE-9C53-41977AD35B3D}" type="datetimeFigureOut">
               <a:rPr lang="ru-RU" smtClean="0"/>
-              <a:t>02.06.2019</a:t>
+              <a:t>03.06.2019</a:t>
             </a:fld>
             <a:endParaRPr lang="ru-RU"/>
           </a:p>
@@ -809,7 +814,7 @@
           <a:p>
             <a:fld id="{B4C71EC6-210F-42DE-9C53-41977AD35B3D}" type="datetimeFigureOut">
               <a:rPr lang="ru-RU" smtClean="0"/>
-              <a:t>02.06.2019</a:t>
+              <a:t>03.06.2019</a:t>
             </a:fld>
             <a:endParaRPr lang="ru-RU"/>
           </a:p>
@@ -1050,7 +1055,7 @@
           <a:p>
             <a:fld id="{B4C71EC6-210F-42DE-9C53-41977AD35B3D}" type="datetimeFigureOut">
               <a:rPr lang="ru-RU" smtClean="0"/>
-              <a:t>02.06.2019</a:t>
+              <a:t>03.06.2019</a:t>
             </a:fld>
             <a:endParaRPr lang="ru-RU"/>
           </a:p>
@@ -1333,7 +1338,7 @@
           <a:p>
             <a:fld id="{B4C71EC6-210F-42DE-9C53-41977AD35B3D}" type="datetimeFigureOut">
               <a:rPr lang="ru-RU" smtClean="0"/>
-              <a:t>02.06.2019</a:t>
+              <a:t>03.06.2019</a:t>
             </a:fld>
             <a:endParaRPr lang="ru-RU"/>
           </a:p>
@@ -1750,7 +1755,7 @@
           <a:p>
             <a:fld id="{B4C71EC6-210F-42DE-9C53-41977AD35B3D}" type="datetimeFigureOut">
               <a:rPr lang="ru-RU" smtClean="0"/>
-              <a:t>02.06.2019</a:t>
+              <a:t>03.06.2019</a:t>
             </a:fld>
             <a:endParaRPr lang="ru-RU"/>
           </a:p>
@@ -1863,7 +1868,7 @@
           <a:p>
             <a:fld id="{B4C71EC6-210F-42DE-9C53-41977AD35B3D}" type="datetimeFigureOut">
               <a:rPr lang="ru-RU" smtClean="0"/>
-              <a:t>02.06.2019</a:t>
+              <a:t>03.06.2019</a:t>
             </a:fld>
             <a:endParaRPr lang="ru-RU"/>
           </a:p>
@@ -1953,7 +1958,7 @@
           <a:p>
             <a:fld id="{B4C71EC6-210F-42DE-9C53-41977AD35B3D}" type="datetimeFigureOut">
               <a:rPr lang="ru-RU" smtClean="0"/>
-              <a:t>02.06.2019</a:t>
+              <a:t>03.06.2019</a:t>
             </a:fld>
             <a:endParaRPr lang="ru-RU"/>
           </a:p>
@@ -2225,7 +2230,7 @@
           <a:p>
             <a:fld id="{B4C71EC6-210F-42DE-9C53-41977AD35B3D}" type="datetimeFigureOut">
               <a:rPr lang="ru-RU" smtClean="0"/>
-              <a:t>02.06.2019</a:t>
+              <a:t>03.06.2019</a:t>
             </a:fld>
             <a:endParaRPr lang="ru-RU"/>
           </a:p>
@@ -2473,7 +2478,7 @@
           <a:p>
             <a:fld id="{B4C71EC6-210F-42DE-9C53-41977AD35B3D}" type="datetimeFigureOut">
               <a:rPr lang="ru-RU" smtClean="0"/>
-              <a:t>02.06.2019</a:t>
+              <a:t>03.06.2019</a:t>
             </a:fld>
             <a:endParaRPr lang="ru-RU"/>
           </a:p>
@@ -2681,7 +2686,7 @@
           <a:p>
             <a:fld id="{B4C71EC6-210F-42DE-9C53-41977AD35B3D}" type="datetimeFigureOut">
               <a:rPr lang="ru-RU" smtClean="0"/>
-              <a:t>02.06.2019</a:t>
+              <a:t>03.06.2019</a:t>
             </a:fld>
             <a:endParaRPr lang="ru-RU"/>
           </a:p>
@@ -3076,29 +3081,622 @@
           </a:p>
         </p:txBody>
       </p:sp>
-      <p:sp>
-        <p:nvSpPr>
-          <p:cNvPr id="3" name="Подзаголовок 2"/>
-          <p:cNvSpPr>
-            <a:spLocks noGrp="1"/>
-          </p:cNvSpPr>
-          <p:nvPr>
-            <p:ph type="subTitle" idx="1"/>
-          </p:nvPr>
-        </p:nvSpPr>
-        <p:spPr/>
-        <p:txBody>
-          <a:bodyPr/>
-          <a:lstStyle/>
-          <a:p>
-            <a:endParaRPr lang="ru-RU" dirty="0"/>
-          </a:p>
-        </p:txBody>
-      </p:sp>
     </p:spTree>
     <p:extLst>
       <p:ext uri="{BB962C8B-B14F-4D97-AF65-F5344CB8AC3E}">
         <p14:creationId xmlns:p14="http://schemas.microsoft.com/office/powerpoint/2010/main" val="411744239"/>
+      </p:ext>
+    </p:extLst>
+  </p:cSld>
+  <p:clrMapOvr>
+    <a:masterClrMapping/>
+  </p:clrMapOvr>
+</p:sld>
+</file>
+
+<file path=ppt/slides/slide2.xml><?xml version="1.0" encoding="utf-8"?>
+<p:sld xmlns:a="http://schemas.openxmlformats.org/drawingml/2006/main" xmlns:r="http://schemas.openxmlformats.org/officeDocument/2006/relationships" xmlns:p="http://schemas.openxmlformats.org/presentationml/2006/main">
+  <p:cSld>
+    <p:spTree>
+      <p:nvGrpSpPr>
+        <p:cNvPr id="1" name=""/>
+        <p:cNvGrpSpPr/>
+        <p:nvPr/>
+      </p:nvGrpSpPr>
+      <p:grpSpPr>
+        <a:xfrm>
+          <a:off x="0" y="0"/>
+          <a:ext cx="0" cy="0"/>
+          <a:chOff x="0" y="0"/>
+          <a:chExt cx="0" cy="0"/>
+        </a:xfrm>
+      </p:grpSpPr>
+      <p:sp>
+        <p:nvSpPr>
+          <p:cNvPr id="2" name="Заголовок 1"/>
+          <p:cNvSpPr>
+            <a:spLocks noGrp="1"/>
+          </p:cNvSpPr>
+          <p:nvPr>
+            <p:ph type="title"/>
+          </p:nvPr>
+        </p:nvSpPr>
+        <p:spPr/>
+        <p:txBody>
+          <a:bodyPr>
+            <a:normAutofit fontScale="90000"/>
+          </a:bodyPr>
+          <a:lstStyle/>
+          <a:p>
+            <a:r>
+              <a:rPr lang="ru-RU" dirty="0" smtClean="0"/>
+              <a:t>Цель проектирования</a:t>
+            </a:r>
+            <a:br>
+              <a:rPr lang="ru-RU" dirty="0" smtClean="0"/>
+            </a:br>
+            <a:endParaRPr lang="ru-RU" dirty="0"/>
+          </a:p>
+        </p:txBody>
+      </p:sp>
+      <p:sp>
+        <p:nvSpPr>
+          <p:cNvPr id="3" name="Объект 2"/>
+          <p:cNvSpPr>
+            <a:spLocks noGrp="1"/>
+          </p:cNvSpPr>
+          <p:nvPr>
+            <p:ph idx="1"/>
+          </p:nvPr>
+        </p:nvSpPr>
+        <p:spPr/>
+        <p:txBody>
+          <a:bodyPr/>
+          <a:lstStyle/>
+          <a:p>
+            <a:r>
+              <a:rPr lang="ru-RU" dirty="0" smtClean="0"/>
+              <a:t>Целью данного дипломного проекта является создание программного средства, способного производить обработку базы видеозаписей с видеорегистраторов, находить и распознавать дорожные знаки и сохранять полученные после обработки данные.</a:t>
+            </a:r>
+            <a:endParaRPr lang="ru-RU" dirty="0"/>
+          </a:p>
+        </p:txBody>
+      </p:sp>
+    </p:spTree>
+    <p:extLst>
+      <p:ext uri="{BB962C8B-B14F-4D97-AF65-F5344CB8AC3E}">
+        <p14:creationId xmlns:p14="http://schemas.microsoft.com/office/powerpoint/2010/main" val="3410356838"/>
+      </p:ext>
+    </p:extLst>
+  </p:cSld>
+  <p:clrMapOvr>
+    <a:masterClrMapping/>
+  </p:clrMapOvr>
+</p:sld>
+</file>
+
+<file path=ppt/slides/slide3.xml><?xml version="1.0" encoding="utf-8"?>
+<p:sld xmlns:a="http://schemas.openxmlformats.org/drawingml/2006/main" xmlns:r="http://schemas.openxmlformats.org/officeDocument/2006/relationships" xmlns:p="http://schemas.openxmlformats.org/presentationml/2006/main">
+  <p:cSld>
+    <p:spTree>
+      <p:nvGrpSpPr>
+        <p:cNvPr id="1" name=""/>
+        <p:cNvGrpSpPr/>
+        <p:nvPr/>
+      </p:nvGrpSpPr>
+      <p:grpSpPr>
+        <a:xfrm>
+          <a:off x="0" y="0"/>
+          <a:ext cx="0" cy="0"/>
+          <a:chOff x="0" y="0"/>
+          <a:chExt cx="0" cy="0"/>
+        </a:xfrm>
+      </p:grpSpPr>
+      <p:sp>
+        <p:nvSpPr>
+          <p:cNvPr id="2" name="Заголовок 1"/>
+          <p:cNvSpPr>
+            <a:spLocks noGrp="1"/>
+          </p:cNvSpPr>
+          <p:nvPr>
+            <p:ph type="title"/>
+          </p:nvPr>
+        </p:nvSpPr>
+        <p:spPr/>
+        <p:txBody>
+          <a:bodyPr/>
+          <a:lstStyle/>
+          <a:p>
+            <a:r>
+              <a:rPr lang="ru-RU" dirty="0" smtClean="0"/>
+              <a:t>Этапы обработки</a:t>
+            </a:r>
+            <a:endParaRPr lang="ru-RU" dirty="0"/>
+          </a:p>
+        </p:txBody>
+      </p:sp>
+      <p:sp>
+        <p:nvSpPr>
+          <p:cNvPr id="3" name="Объект 2"/>
+          <p:cNvSpPr>
+            <a:spLocks noGrp="1"/>
+          </p:cNvSpPr>
+          <p:nvPr>
+            <p:ph idx="1"/>
+          </p:nvPr>
+        </p:nvSpPr>
+        <p:spPr/>
+        <p:txBody>
+          <a:bodyPr/>
+          <a:lstStyle/>
+          <a:p>
+            <a:r>
+              <a:rPr lang="ru-RU" dirty="0" smtClean="0"/>
+              <a:t>Разбиение видеозаписи на кадры</a:t>
+            </a:r>
+          </a:p>
+          <a:p>
+            <a:r>
+              <a:rPr lang="ru-RU" dirty="0" smtClean="0"/>
+              <a:t>Поиск дорожных знаков</a:t>
+            </a:r>
+          </a:p>
+          <a:p>
+            <a:r>
+              <a:rPr lang="ru-RU" dirty="0" smtClean="0"/>
+              <a:t>Классификация дорожных знаков</a:t>
+            </a:r>
+          </a:p>
+          <a:p>
+            <a:r>
+              <a:rPr lang="ru-RU" dirty="0" smtClean="0"/>
+              <a:t>Сохранение результатов</a:t>
+            </a:r>
+            <a:endParaRPr lang="ru-RU" dirty="0"/>
+          </a:p>
+        </p:txBody>
+      </p:sp>
+    </p:spTree>
+    <p:extLst>
+      <p:ext uri="{BB962C8B-B14F-4D97-AF65-F5344CB8AC3E}">
+        <p14:creationId xmlns:p14="http://schemas.microsoft.com/office/powerpoint/2010/main" val="1117771029"/>
+      </p:ext>
+    </p:extLst>
+  </p:cSld>
+  <p:clrMapOvr>
+    <a:masterClrMapping/>
+  </p:clrMapOvr>
+</p:sld>
+</file>
+
+<file path=ppt/slides/slide4.xml><?xml version="1.0" encoding="utf-8"?>
+<p:sld xmlns:a="http://schemas.openxmlformats.org/drawingml/2006/main" xmlns:r="http://schemas.openxmlformats.org/officeDocument/2006/relationships" xmlns:p="http://schemas.openxmlformats.org/presentationml/2006/main">
+  <p:cSld>
+    <p:spTree>
+      <p:nvGrpSpPr>
+        <p:cNvPr id="1" name=""/>
+        <p:cNvGrpSpPr/>
+        <p:nvPr/>
+      </p:nvGrpSpPr>
+      <p:grpSpPr>
+        <a:xfrm>
+          <a:off x="0" y="0"/>
+          <a:ext cx="0" cy="0"/>
+          <a:chOff x="0" y="0"/>
+          <a:chExt cx="0" cy="0"/>
+        </a:xfrm>
+      </p:grpSpPr>
+      <p:sp>
+        <p:nvSpPr>
+          <p:cNvPr id="2" name="Заголовок 1"/>
+          <p:cNvSpPr>
+            <a:spLocks noGrp="1"/>
+          </p:cNvSpPr>
+          <p:nvPr>
+            <p:ph type="title"/>
+          </p:nvPr>
+        </p:nvSpPr>
+        <p:spPr/>
+        <p:txBody>
+          <a:bodyPr/>
+          <a:lstStyle/>
+          <a:p>
+            <a:r>
+              <a:rPr lang="ru-RU" dirty="0" smtClean="0"/>
+              <a:t>Основные технические моменты</a:t>
+            </a:r>
+            <a:endParaRPr lang="ru-RU" dirty="0"/>
+          </a:p>
+        </p:txBody>
+      </p:sp>
+      <p:sp>
+        <p:nvSpPr>
+          <p:cNvPr id="3" name="Объект 2"/>
+          <p:cNvSpPr>
+            <a:spLocks noGrp="1"/>
+          </p:cNvSpPr>
+          <p:nvPr>
+            <p:ph idx="1"/>
+          </p:nvPr>
+        </p:nvSpPr>
+        <p:spPr/>
+        <p:txBody>
+          <a:bodyPr/>
+          <a:lstStyle/>
+          <a:p>
+            <a:r>
+              <a:rPr lang="en-US" dirty="0" smtClean="0"/>
+              <a:t>FFMPEG</a:t>
+            </a:r>
+          </a:p>
+          <a:p>
+            <a:r>
+              <a:rPr lang="ru-RU" dirty="0" smtClean="0"/>
+              <a:t>Каскады Хаара</a:t>
+            </a:r>
+          </a:p>
+          <a:p>
+            <a:r>
+              <a:rPr lang="ru-RU" dirty="0" err="1" smtClean="0"/>
+              <a:t>Сверточные</a:t>
+            </a:r>
+            <a:r>
+              <a:rPr lang="ru-RU" dirty="0" smtClean="0"/>
+              <a:t> нейронные сети</a:t>
+            </a:r>
+          </a:p>
+          <a:p>
+            <a:r>
+              <a:rPr lang="ru-RU" dirty="0" smtClean="0"/>
+              <a:t>Базы данных </a:t>
+            </a:r>
+            <a:r>
+              <a:rPr lang="en-US" dirty="0" smtClean="0"/>
+              <a:t>Oracle</a:t>
+            </a:r>
+            <a:endParaRPr lang="ru-RU" dirty="0"/>
+          </a:p>
+        </p:txBody>
+      </p:sp>
+    </p:spTree>
+    <p:extLst>
+      <p:ext uri="{BB962C8B-B14F-4D97-AF65-F5344CB8AC3E}">
+        <p14:creationId xmlns:p14="http://schemas.microsoft.com/office/powerpoint/2010/main" val="1784814702"/>
+      </p:ext>
+    </p:extLst>
+  </p:cSld>
+  <p:clrMapOvr>
+    <a:masterClrMapping/>
+  </p:clrMapOvr>
+</p:sld>
+</file>
+
+<file path=ppt/slides/slide5.xml><?xml version="1.0" encoding="utf-8"?>
+<p:sld xmlns:a="http://schemas.openxmlformats.org/drawingml/2006/main" xmlns:r="http://schemas.openxmlformats.org/officeDocument/2006/relationships" xmlns:p="http://schemas.openxmlformats.org/presentationml/2006/main">
+  <p:cSld>
+    <p:spTree>
+      <p:nvGrpSpPr>
+        <p:cNvPr id="1" name=""/>
+        <p:cNvGrpSpPr/>
+        <p:nvPr/>
+      </p:nvGrpSpPr>
+      <p:grpSpPr>
+        <a:xfrm>
+          <a:off x="0" y="0"/>
+          <a:ext cx="0" cy="0"/>
+          <a:chOff x="0" y="0"/>
+          <a:chExt cx="0" cy="0"/>
+        </a:xfrm>
+      </p:grpSpPr>
+      <p:sp>
+        <p:nvSpPr>
+          <p:cNvPr id="2" name="Заголовок 1"/>
+          <p:cNvSpPr>
+            <a:spLocks noGrp="1"/>
+          </p:cNvSpPr>
+          <p:nvPr>
+            <p:ph type="title"/>
+          </p:nvPr>
+        </p:nvSpPr>
+        <p:spPr/>
+        <p:txBody>
+          <a:bodyPr/>
+          <a:lstStyle/>
+          <a:p>
+            <a:r>
+              <a:rPr lang="ru-RU" dirty="0" smtClean="0"/>
+              <a:t>Используемые технологии</a:t>
+            </a:r>
+            <a:endParaRPr lang="ru-RU" dirty="0"/>
+          </a:p>
+        </p:txBody>
+      </p:sp>
+      <p:sp>
+        <p:nvSpPr>
+          <p:cNvPr id="3" name="Объект 2"/>
+          <p:cNvSpPr>
+            <a:spLocks noGrp="1"/>
+          </p:cNvSpPr>
+          <p:nvPr>
+            <p:ph idx="1"/>
+          </p:nvPr>
+        </p:nvSpPr>
+        <p:spPr/>
+        <p:txBody>
+          <a:bodyPr/>
+          <a:lstStyle/>
+          <a:p>
+            <a:r>
+              <a:rPr lang="en-US" dirty="0" smtClean="0"/>
+              <a:t>FFMPEG</a:t>
+            </a:r>
+          </a:p>
+          <a:p>
+            <a:r>
+              <a:rPr lang="en-US" dirty="0" err="1" smtClean="0"/>
+              <a:t>EmguCV</a:t>
+            </a:r>
+            <a:endParaRPr lang="en-US" dirty="0" smtClean="0"/>
+          </a:p>
+          <a:p>
+            <a:r>
+              <a:rPr lang="en-US" dirty="0" err="1" smtClean="0"/>
+              <a:t>ConvNetSharp</a:t>
+            </a:r>
+            <a:endParaRPr lang="en-US" dirty="0" smtClean="0"/>
+          </a:p>
+          <a:p>
+            <a:r>
+              <a:rPr lang="en-US" dirty="0" smtClean="0"/>
+              <a:t>Oracle </a:t>
+            </a:r>
+            <a:r>
+              <a:rPr lang="en-US" dirty="0" err="1" smtClean="0"/>
+              <a:t>ManagedDataAccess</a:t>
+            </a:r>
+            <a:endParaRPr lang="ru-RU" dirty="0"/>
+          </a:p>
+        </p:txBody>
+      </p:sp>
+      <p:pic>
+        <p:nvPicPr>
+          <p:cNvPr id="1026" name="Picture 2" descr="ÐÐ°ÑÑÐ¸Ð½ÐºÐ¸ Ð¿Ð¾ Ð·Ð°Ð¿ÑÐ¾ÑÑ ffmpeg"/>
+          <p:cNvPicPr>
+            <a:picLocks noChangeAspect="1" noChangeArrowheads="1"/>
+          </p:cNvPicPr>
+          <p:nvPr/>
+        </p:nvPicPr>
+        <p:blipFill>
+          <a:blip r:embed="rId2" cstate="print">
+            <a:extLst>
+              <a:ext uri="{28A0092B-C50C-407E-A947-70E740481C1C}">
+                <a14:useLocalDpi xmlns:a14="http://schemas.microsoft.com/office/drawing/2010/main" val="0"/>
+              </a:ext>
+            </a:extLst>
+          </a:blip>
+          <a:srcRect/>
+          <a:stretch>
+            <a:fillRect/>
+          </a:stretch>
+        </p:blipFill>
+        <p:spPr bwMode="auto">
+          <a:xfrm>
+            <a:off x="2638745" y="1211659"/>
+            <a:ext cx="3418815" cy="864096"/>
+          </a:xfrm>
+          <a:prstGeom prst="rect">
+            <a:avLst/>
+          </a:prstGeom>
+          <a:noFill/>
+          <a:extLst>
+            <a:ext uri="{909E8E84-426E-40DD-AFC4-6F175D3DCCD1}">
+              <a14:hiddenFill xmlns:a14="http://schemas.microsoft.com/office/drawing/2010/main">
+                <a:solidFill>
+                  <a:srgbClr val="FFFFFF"/>
+                </a:solidFill>
+              </a14:hiddenFill>
+            </a:ext>
+          </a:extLst>
+        </p:spPr>
+      </p:pic>
+      <p:pic>
+        <p:nvPicPr>
+          <p:cNvPr id="1028" name="Picture 4" descr="ÐÐ°ÑÑÐ¸Ð½ÐºÐ¸ Ð¿Ð¾ Ð·Ð°Ð¿ÑÐ¾ÑÑ emgucv"/>
+          <p:cNvPicPr>
+            <a:picLocks noChangeAspect="1" noChangeArrowheads="1"/>
+          </p:cNvPicPr>
+          <p:nvPr/>
+        </p:nvPicPr>
+        <p:blipFill>
+          <a:blip r:embed="rId3">
+            <a:extLst>
+              <a:ext uri="{28A0092B-C50C-407E-A947-70E740481C1C}">
+                <a14:useLocalDpi xmlns:a14="http://schemas.microsoft.com/office/drawing/2010/main" val="0"/>
+              </a:ext>
+            </a:extLst>
+          </a:blip>
+          <a:srcRect/>
+          <a:stretch>
+            <a:fillRect/>
+          </a:stretch>
+        </p:blipFill>
+        <p:spPr bwMode="auto">
+          <a:xfrm>
+            <a:off x="6084168" y="1844824"/>
+            <a:ext cx="1922757" cy="864096"/>
+          </a:xfrm>
+          <a:prstGeom prst="rect">
+            <a:avLst/>
+          </a:prstGeom>
+          <a:noFill/>
+          <a:extLst>
+            <a:ext uri="{909E8E84-426E-40DD-AFC4-6F175D3DCCD1}">
+              <a14:hiddenFill xmlns:a14="http://schemas.microsoft.com/office/drawing/2010/main">
+                <a:solidFill>
+                  <a:srgbClr val="FFFFFF"/>
+                </a:solidFill>
+              </a14:hiddenFill>
+            </a:ext>
+          </a:extLst>
+        </p:spPr>
+      </p:pic>
+      <p:pic>
+        <p:nvPicPr>
+          <p:cNvPr id="1030" name="Picture 6" descr="ÐÐ°ÑÑÐ¸Ð½ÐºÐ¸ Ð¿Ð¾ Ð·Ð°Ð¿ÑÐ¾ÑÑ oracle"/>
+          <p:cNvPicPr>
+            <a:picLocks noChangeAspect="1" noChangeArrowheads="1"/>
+          </p:cNvPicPr>
+          <p:nvPr/>
+        </p:nvPicPr>
+        <p:blipFill>
+          <a:blip r:embed="rId4">
+            <a:extLst>
+              <a:ext uri="{28A0092B-C50C-407E-A947-70E740481C1C}">
+                <a14:useLocalDpi xmlns:a14="http://schemas.microsoft.com/office/drawing/2010/main" val="0"/>
+              </a:ext>
+            </a:extLst>
+          </a:blip>
+          <a:srcRect/>
+          <a:stretch>
+            <a:fillRect/>
+          </a:stretch>
+        </p:blipFill>
+        <p:spPr bwMode="auto">
+          <a:xfrm>
+            <a:off x="5724128" y="3140968"/>
+            <a:ext cx="2122340" cy="1008112"/>
+          </a:xfrm>
+          <a:prstGeom prst="rect">
+            <a:avLst/>
+          </a:prstGeom>
+          <a:noFill/>
+          <a:extLst>
+            <a:ext uri="{909E8E84-426E-40DD-AFC4-6F175D3DCCD1}">
+              <a14:hiddenFill xmlns:a14="http://schemas.microsoft.com/office/drawing/2010/main">
+                <a:solidFill>
+                  <a:srgbClr val="FFFFFF"/>
+                </a:solidFill>
+              </a14:hiddenFill>
+            </a:ext>
+          </a:extLst>
+        </p:spPr>
+      </p:pic>
+    </p:spTree>
+    <p:extLst>
+      <p:ext uri="{BB962C8B-B14F-4D97-AF65-F5344CB8AC3E}">
+        <p14:creationId xmlns:p14="http://schemas.microsoft.com/office/powerpoint/2010/main" val="3540971875"/>
+      </p:ext>
+    </p:extLst>
+  </p:cSld>
+  <p:clrMapOvr>
+    <a:masterClrMapping/>
+  </p:clrMapOvr>
+</p:sld>
+</file>
+
+<file path=ppt/slides/slide6.xml><?xml version="1.0" encoding="utf-8"?>
+<p:sld xmlns:a="http://schemas.openxmlformats.org/drawingml/2006/main" xmlns:r="http://schemas.openxmlformats.org/officeDocument/2006/relationships" xmlns:p="http://schemas.openxmlformats.org/presentationml/2006/main">
+  <p:cSld>
+    <p:spTree>
+      <p:nvGrpSpPr>
+        <p:cNvPr id="1" name=""/>
+        <p:cNvGrpSpPr/>
+        <p:nvPr/>
+      </p:nvGrpSpPr>
+      <p:grpSpPr>
+        <a:xfrm>
+          <a:off x="0" y="0"/>
+          <a:ext cx="0" cy="0"/>
+          <a:chOff x="0" y="0"/>
+          <a:chExt cx="0" cy="0"/>
+        </a:xfrm>
+      </p:grpSpPr>
+      <p:sp>
+        <p:nvSpPr>
+          <p:cNvPr id="2" name="Заголовок 1"/>
+          <p:cNvSpPr>
+            <a:spLocks noGrp="1"/>
+          </p:cNvSpPr>
+          <p:nvPr>
+            <p:ph type="title"/>
+          </p:nvPr>
+        </p:nvSpPr>
+        <p:spPr/>
+        <p:txBody>
+          <a:bodyPr/>
+          <a:lstStyle/>
+          <a:p>
+            <a:r>
+              <a:rPr lang="ru-RU" dirty="0" smtClean="0"/>
+              <a:t>Результаты проектирования</a:t>
+            </a:r>
+            <a:endParaRPr lang="ru-RU" dirty="0"/>
+          </a:p>
+        </p:txBody>
+      </p:sp>
+      <p:sp>
+        <p:nvSpPr>
+          <p:cNvPr id="3" name="Объект 2"/>
+          <p:cNvSpPr>
+            <a:spLocks noGrp="1"/>
+          </p:cNvSpPr>
+          <p:nvPr>
+            <p:ph idx="1"/>
+          </p:nvPr>
+        </p:nvSpPr>
+        <p:spPr/>
+        <p:txBody>
+          <a:bodyPr/>
+          <a:lstStyle/>
+          <a:p>
+            <a:r>
+              <a:rPr lang="ru-RU" dirty="0" smtClean="0"/>
+              <a:t>В результате работы над дипломным проектом было создано </a:t>
+            </a:r>
+            <a:r>
+              <a:rPr lang="en-US" dirty="0" smtClean="0"/>
+              <a:t>desktop-</a:t>
+            </a:r>
+            <a:r>
+              <a:rPr lang="ru-RU" dirty="0" smtClean="0"/>
+              <a:t>приложение для ОС семейства </a:t>
+            </a:r>
+            <a:r>
+              <a:rPr lang="en-US" dirty="0" smtClean="0"/>
+              <a:t>Windows, </a:t>
+            </a:r>
+            <a:r>
+              <a:rPr lang="ru-RU" dirty="0" smtClean="0"/>
+              <a:t>на базе </a:t>
+            </a:r>
+            <a:r>
+              <a:rPr lang="ru-RU" dirty="0" err="1" smtClean="0"/>
+              <a:t>фреймворка</a:t>
+            </a:r>
+            <a:r>
+              <a:rPr lang="ru-RU" dirty="0" smtClean="0"/>
+              <a:t> </a:t>
+            </a:r>
+            <a:r>
+              <a:rPr lang="en-US" dirty="0" err="1" smtClean="0"/>
+              <a:t>.Net</a:t>
+            </a:r>
+            <a:r>
+              <a:rPr lang="en-US" dirty="0" smtClean="0"/>
+              <a:t> </a:t>
+            </a:r>
+            <a:r>
+              <a:rPr lang="ru-RU" dirty="0" smtClean="0"/>
+              <a:t>4.8, способное получать название знака и его координаты преобразуя полученные видеозаписи.</a:t>
+            </a:r>
+            <a:endParaRPr lang="ru-RU" dirty="0"/>
+          </a:p>
+        </p:txBody>
+      </p:sp>
+    </p:spTree>
+    <p:extLst>
+      <p:ext uri="{BB962C8B-B14F-4D97-AF65-F5344CB8AC3E}">
+        <p14:creationId xmlns:p14="http://schemas.microsoft.com/office/powerpoint/2010/main" val="1012211772"/>
       </p:ext>
     </p:extLst>
   </p:cSld>
